--- a/PracticeTasks/Task_5/K8C_DomainModeling_Task5.pptx
+++ b/PracticeTasks/Task_5/K8C_DomainModeling_Task5.pptx
@@ -7408,14 +7408,14 @@
           <p:nvPr>
             <p:extLst>
               <p:ext uri="{D42A27DB-BD31-4B8C-83A1-F6EECF244321}">
-                <p14:modId xmlns:p14="http://schemas.microsoft.com/office/powerpoint/2010/main" val="2786536506"/>
+                <p14:modId xmlns:p14="http://schemas.microsoft.com/office/powerpoint/2010/main" val="3534830153"/>
               </p:ext>
             </p:extLst>
           </p:nvPr>
         </p:nvGraphicFramePr>
         <p:xfrm>
           <a:off x="311700" y="889978"/>
-          <a:ext cx="8617146" cy="3789779"/>
+          <a:ext cx="8617146" cy="3508833"/>
         </p:xfrm>
         <a:graphic>
           <a:graphicData uri="http://schemas.openxmlformats.org/drawingml/2006/table">
@@ -8307,10 +8307,22 @@
                     <a:lstStyle/>
                     <a:p>
                       <a:r>
-                        <a:rPr lang="en-US" sz="1000">
+                        <a:rPr lang="en-US" sz="1000" dirty="0">
                           <a:effectLst/>
                         </a:rPr>
-                        <a:t>Validation rules, OpenAPI schema, error-handling config</a:t>
+                        <a:t>Validation rules, </a:t>
+                      </a:r>
+                      <a:r>
+                        <a:rPr lang="en-US" sz="1000" dirty="0" err="1">
+                          <a:effectLst/>
+                        </a:rPr>
+                        <a:t>OpenAPI</a:t>
+                      </a:r>
+                      <a:r>
+                        <a:rPr lang="en-US" sz="1000" dirty="0">
+                          <a:effectLst/>
+                        </a:rPr>
+                        <a:t> schema, error-handling config</a:t>
                       </a:r>
                     </a:p>
                   </a:txBody>
@@ -8359,29 +8371,41 @@
                     <a:lstStyle/>
                     <a:p>
                       <a:r>
-                        <a:rPr lang="en-US" sz="1000">
+                        <a:rPr lang="en-US" sz="1000" dirty="0">
                           <a:effectLst/>
                         </a:rPr>
-                        <a:t>- Validate requests via rules and OpenAPI schema</a:t>
+                        <a:t>- Validate requests via rules and </a:t>
+                      </a:r>
+                      <a:r>
+                        <a:rPr lang="en-US" sz="1000" dirty="0" err="1">
+                          <a:effectLst/>
+                        </a:rPr>
+                        <a:t>OpenAPI</a:t>
+                      </a:r>
+                      <a:r>
+                        <a:rPr lang="en-US" sz="1000" dirty="0">
+                          <a:effectLst/>
+                        </a:rPr>
+                        <a:t> schema</a:t>
                       </a:r>
                       <a:br>
-                        <a:rPr lang="en-US" sz="1000">
+                        <a:rPr lang="en-US" sz="1000" dirty="0">
                           <a:effectLst/>
                         </a:rPr>
                       </a:br>
                       <a:r>
-                        <a:rPr lang="en-US" sz="1000">
+                        <a:rPr lang="en-US" sz="1000" dirty="0">
                           <a:effectLst/>
                         </a:rPr>
                         <a:t>- Generate error reports</a:t>
                       </a:r>
                       <a:br>
-                        <a:rPr lang="en-US" sz="1000">
+                        <a:rPr lang="en-US" sz="1000" dirty="0">
                           <a:effectLst/>
                         </a:rPr>
                       </a:br>
                       <a:r>
-                        <a:rPr lang="en-US" sz="1000">
+                        <a:rPr lang="en-US" sz="1000" dirty="0">
                           <a:effectLst/>
                         </a:rPr>
                         <a:t>- Upload new validation rules</a:t>
@@ -8430,263 +8454,6 @@
                 <a:extLst>
                   <a:ext uri="{0D108BD9-81ED-4DB2-BD59-A6C34878D82A}">
                     <a16:rowId xmlns:a16="http://schemas.microsoft.com/office/drawing/2014/main" val="10003"/>
-                  </a:ext>
-                </a:extLst>
-              </a:tr>
-              <a:tr h="731023">
-                <a:tc>
-                  <a:txBody>
-                    <a:bodyPr/>
-                    <a:lstStyle/>
-                    <a:p>
-                      <a:r>
-                        <a:rPr lang="en-US" sz="1000" b="1" dirty="0">
-                          <a:effectLst/>
-                        </a:rPr>
-                        <a:t>Response </a:t>
-                      </a:r>
-                      <a:r>
-                        <a:rPr lang="en-US" sz="1000" b="1" dirty="0" err="1">
-                          <a:effectLst/>
-                        </a:rPr>
-                        <a:t>Cacher</a:t>
-                      </a:r>
-                      <a:endParaRPr lang="en-US" sz="1000" dirty="0">
-                        <a:effectLst/>
-                      </a:endParaRPr>
-                    </a:p>
-                  </a:txBody>
-                  <a:tcPr marL="123825" marR="123825" marT="57150" marB="57150" anchor="ctr">
-                    <a:lnL w="12700" cap="flat" cmpd="sng">
-                      <a:solidFill>
-                        <a:srgbClr val="000000"/>
-                      </a:solidFill>
-                      <a:prstDash val="solid"/>
-                      <a:round/>
-                      <a:headEnd type="none" w="sm" len="sm"/>
-                      <a:tailEnd type="none" w="sm" len="sm"/>
-                    </a:lnL>
-                    <a:lnR w="12700" cap="flat" cmpd="sng">
-                      <a:solidFill>
-                        <a:srgbClr val="000000"/>
-                      </a:solidFill>
-                      <a:prstDash val="solid"/>
-                      <a:round/>
-                      <a:headEnd type="none" w="sm" len="sm"/>
-                      <a:tailEnd type="none" w="sm" len="sm"/>
-                    </a:lnR>
-                    <a:lnT w="12700" cap="flat" cmpd="sng">
-                      <a:solidFill>
-                        <a:srgbClr val="000000"/>
-                      </a:solidFill>
-                      <a:prstDash val="solid"/>
-                      <a:round/>
-                      <a:headEnd type="none" w="sm" len="sm"/>
-                      <a:tailEnd type="none" w="sm" len="sm"/>
-                    </a:lnT>
-                    <a:lnB w="12700" cap="flat" cmpd="sng">
-                      <a:solidFill>
-                        <a:srgbClr val="000000"/>
-                      </a:solidFill>
-                      <a:prstDash val="solid"/>
-                      <a:round/>
-                      <a:headEnd type="none" w="sm" len="sm"/>
-                      <a:tailEnd type="none" w="sm" len="sm"/>
-                    </a:lnB>
-                  </a:tcPr>
-                </a:tc>
-                <a:tc>
-                  <a:txBody>
-                    <a:bodyPr/>
-                    <a:lstStyle/>
-                    <a:p>
-                      <a:r>
-                        <a:rPr lang="en-US" sz="1000">
-                          <a:effectLst/>
-                        </a:rPr>
-                        <a:t>SIAOUT</a:t>
-                      </a:r>
-                    </a:p>
-                  </a:txBody>
-                  <a:tcPr marL="123825" marR="123825" marT="57150" marB="57150" anchor="ctr">
-                    <a:lnL w="12700" cap="flat" cmpd="sng">
-                      <a:solidFill>
-                        <a:srgbClr val="000000"/>
-                      </a:solidFill>
-                      <a:prstDash val="solid"/>
-                      <a:round/>
-                      <a:headEnd type="none" w="sm" len="sm"/>
-                      <a:tailEnd type="none" w="sm" len="sm"/>
-                    </a:lnL>
-                    <a:lnR w="12700" cap="flat" cmpd="sng">
-                      <a:solidFill>
-                        <a:srgbClr val="000000"/>
-                      </a:solidFill>
-                      <a:prstDash val="solid"/>
-                      <a:round/>
-                      <a:headEnd type="none" w="sm" len="sm"/>
-                      <a:tailEnd type="none" w="sm" len="sm"/>
-                    </a:lnR>
-                    <a:lnT w="12700" cap="flat" cmpd="sng">
-                      <a:solidFill>
-                        <a:srgbClr val="000000"/>
-                      </a:solidFill>
-                      <a:prstDash val="solid"/>
-                      <a:round/>
-                      <a:headEnd type="none" w="sm" len="sm"/>
-                      <a:tailEnd type="none" w="sm" len="sm"/>
-                    </a:lnT>
-                    <a:lnB w="12700" cap="flat" cmpd="sng">
-                      <a:solidFill>
-                        <a:srgbClr val="000000"/>
-                      </a:solidFill>
-                      <a:prstDash val="solid"/>
-                      <a:round/>
-                      <a:headEnd type="none" w="sm" len="sm"/>
-                      <a:tailEnd type="none" w="sm" len="sm"/>
-                    </a:lnB>
-                  </a:tcPr>
-                </a:tc>
-                <a:tc>
-                  <a:txBody>
-                    <a:bodyPr/>
-                    <a:lstStyle/>
-                    <a:p>
-                      <a:r>
-                        <a:rPr lang="en-US" sz="1000">
-                          <a:effectLst/>
-                        </a:rPr>
-                        <a:t>Cached responses, expiration policies, caching rules</a:t>
-                      </a:r>
-                    </a:p>
-                  </a:txBody>
-                  <a:tcPr marL="123825" marR="123825" marT="57150" marB="57150" anchor="ctr">
-                    <a:lnL w="12700" cap="flat" cmpd="sng">
-                      <a:solidFill>
-                        <a:srgbClr val="000000"/>
-                      </a:solidFill>
-                      <a:prstDash val="solid"/>
-                      <a:round/>
-                      <a:headEnd type="none" w="sm" len="sm"/>
-                      <a:tailEnd type="none" w="sm" len="sm"/>
-                    </a:lnL>
-                    <a:lnR w="12700" cap="flat" cmpd="sng">
-                      <a:solidFill>
-                        <a:srgbClr val="000000"/>
-                      </a:solidFill>
-                      <a:prstDash val="solid"/>
-                      <a:round/>
-                      <a:headEnd type="none" w="sm" len="sm"/>
-                      <a:tailEnd type="none" w="sm" len="sm"/>
-                    </a:lnR>
-                    <a:lnT w="12700" cap="flat" cmpd="sng">
-                      <a:solidFill>
-                        <a:srgbClr val="000000"/>
-                      </a:solidFill>
-                      <a:prstDash val="solid"/>
-                      <a:round/>
-                      <a:headEnd type="none" w="sm" len="sm"/>
-                      <a:tailEnd type="none" w="sm" len="sm"/>
-                    </a:lnT>
-                    <a:lnB w="12700" cap="flat" cmpd="sng">
-                      <a:solidFill>
-                        <a:srgbClr val="000000"/>
-                      </a:solidFill>
-                      <a:prstDash val="solid"/>
-                      <a:round/>
-                      <a:headEnd type="none" w="sm" len="sm"/>
-                      <a:tailEnd type="none" w="sm" len="sm"/>
-                    </a:lnB>
-                  </a:tcPr>
-                </a:tc>
-                <a:tc>
-                  <a:txBody>
-                    <a:bodyPr/>
-                    <a:lstStyle/>
-                    <a:p>
-                      <a:r>
-                        <a:rPr lang="en-US" sz="1000">
-                          <a:effectLst/>
-                        </a:rPr>
-                        <a:t>- Put responses in cache</a:t>
-                      </a:r>
-                      <a:br>
-                        <a:rPr lang="en-US" sz="1000">
-                          <a:effectLst/>
-                        </a:rPr>
-                      </a:br>
-                      <a:r>
-                        <a:rPr lang="en-US" sz="1000">
-                          <a:effectLst/>
-                        </a:rPr>
-                        <a:t>- Retrieve cached responses</a:t>
-                      </a:r>
-                      <a:br>
-                        <a:rPr lang="en-US" sz="1000">
-                          <a:effectLst/>
-                        </a:rPr>
-                      </a:br>
-                      <a:r>
-                        <a:rPr lang="en-US" sz="1000">
-                          <a:effectLst/>
-                        </a:rPr>
-                        <a:t>- Invalidate cache</a:t>
-                      </a:r>
-                      <a:br>
-                        <a:rPr lang="en-US" sz="1000">
-                          <a:effectLst/>
-                        </a:rPr>
-                      </a:br>
-                      <a:r>
-                        <a:rPr lang="en-US" sz="1000">
-                          <a:effectLst/>
-                        </a:rPr>
-                        <a:t>- Update cache entries</a:t>
-                      </a:r>
-                    </a:p>
-                  </a:txBody>
-                  <a:tcPr marL="123825" marR="123825" marT="57150" marB="57150" anchor="ctr">
-                    <a:lnL w="12700" cap="flat" cmpd="sng">
-                      <a:solidFill>
-                        <a:srgbClr val="000000"/>
-                      </a:solidFill>
-                      <a:prstDash val="solid"/>
-                      <a:round/>
-                      <a:headEnd type="none" w="sm" len="sm"/>
-                      <a:tailEnd type="none" w="sm" len="sm"/>
-                    </a:lnL>
-                    <a:lnR w="12700" cap="flat" cmpd="sng">
-                      <a:solidFill>
-                        <a:srgbClr val="000000"/>
-                      </a:solidFill>
-                      <a:prstDash val="solid"/>
-                      <a:round/>
-                      <a:headEnd type="none" w="sm" len="sm"/>
-                      <a:tailEnd type="none" w="sm" len="sm"/>
-                    </a:lnR>
-                    <a:lnT w="12700" cap="flat" cmpd="sng">
-                      <a:solidFill>
-                        <a:srgbClr val="000000"/>
-                      </a:solidFill>
-                      <a:prstDash val="solid"/>
-                      <a:round/>
-                      <a:headEnd type="none" w="sm" len="sm"/>
-                      <a:tailEnd type="none" w="sm" len="sm"/>
-                    </a:lnT>
-                    <a:lnB w="12700" cap="flat" cmpd="sng">
-                      <a:solidFill>
-                        <a:srgbClr val="000000"/>
-                      </a:solidFill>
-                      <a:prstDash val="solid"/>
-                      <a:round/>
-                      <a:headEnd type="none" w="sm" len="sm"/>
-                      <a:tailEnd type="none" w="sm" len="sm"/>
-                    </a:lnB>
-                  </a:tcPr>
-                </a:tc>
-                <a:extLst>
-                  <a:ext uri="{0D108BD9-81ED-4DB2-BD59-A6C34878D82A}">
-                    <a16:rowId xmlns:a16="http://schemas.microsoft.com/office/drawing/2014/main" val="10004"/>
                   </a:ext>
                 </a:extLst>
               </a:tr>
@@ -8717,7 +8484,7 @@
                       <a:headEnd type="none" w="sm" len="sm"/>
                       <a:tailEnd type="none" w="sm" len="sm"/>
                     </a:lnL>
-                    <a:lnR w="12700" cap="flat" cmpd="sng">
+                    <a:lnR w="12700" cap="flat" cmpd="sng" algn="ctr">
                       <a:solidFill>
                         <a:srgbClr val="000000"/>
                       </a:solidFill>
@@ -8726,7 +8493,7 @@
                       <a:headEnd type="none" w="sm" len="sm"/>
                       <a:tailEnd type="none" w="sm" len="sm"/>
                     </a:lnR>
-                    <a:lnT w="12700" cap="flat" cmpd="sng">
+                    <a:lnT w="12700" cap="flat" cmpd="sng" algn="ctr">
                       <a:solidFill>
                         <a:srgbClr val="000000"/>
                       </a:solidFill>
@@ -8760,7 +8527,7 @@
                     </a:p>
                   </a:txBody>
                   <a:tcPr marL="123825" marR="123825" marT="57150" marB="57150" anchor="ctr">
-                    <a:lnL w="12700" cap="flat" cmpd="sng">
+                    <a:lnL w="12700" cap="flat" cmpd="sng" algn="ctr">
                       <a:solidFill>
                         <a:srgbClr val="000000"/>
                       </a:solidFill>
@@ -8769,7 +8536,7 @@
                       <a:headEnd type="none" w="sm" len="sm"/>
                       <a:tailEnd type="none" w="sm" len="sm"/>
                     </a:lnL>
-                    <a:lnR w="12700" cap="flat" cmpd="sng">
+                    <a:lnR w="12700" cap="flat" cmpd="sng" algn="ctr">
                       <a:solidFill>
                         <a:srgbClr val="000000"/>
                       </a:solidFill>
@@ -8778,7 +8545,7 @@
                       <a:headEnd type="none" w="sm" len="sm"/>
                       <a:tailEnd type="none" w="sm" len="sm"/>
                     </a:lnR>
-                    <a:lnT w="12700" cap="flat" cmpd="sng">
+                    <a:lnT w="12700" cap="flat" cmpd="sng" algn="ctr">
                       <a:solidFill>
                         <a:srgbClr val="000000"/>
                       </a:solidFill>
@@ -8804,15 +8571,31 @@
                     <a:lstStyle/>
                     <a:p>
                       <a:r>
-                        <a:rPr lang="en-US" sz="1000">
+                        <a:rPr lang="en-US" sz="1000" b="0" i="0" u="none" strike="noStrike" cap="none" dirty="0">
+                          <a:solidFill>
+                            <a:srgbClr val="000000"/>
+                          </a:solidFill>
                           <a:effectLst/>
+                          <a:latin typeface="Arial"/>
+                          <a:ea typeface="Arial"/>
+                          <a:cs typeface="Arial"/>
+                          <a:sym typeface="Arial"/>
                         </a:rPr>
-                        <a:t>Tokens, session details, authentication policies</a:t>
+                        <a:t>Authentication tokens, session details, expiration policies, authentication policies (RBAC)</a:t>
                       </a:r>
+                      <a:endParaRPr lang="en-US" sz="1000" b="0" i="0" u="none" strike="noStrike" cap="none" dirty="0">
+                        <a:solidFill>
+                          <a:srgbClr val="000000"/>
+                        </a:solidFill>
+                        <a:effectLst/>
+                        <a:latin typeface="Arial"/>
+                        <a:cs typeface="Arial"/>
+                        <a:sym typeface="Arial"/>
+                      </a:endParaRPr>
                     </a:p>
                   </a:txBody>
                   <a:tcPr marL="123825" marR="123825" marT="57150" marB="57150" anchor="ctr">
-                    <a:lnL w="12700" cap="flat" cmpd="sng">
+                    <a:lnL w="12700" cap="flat" cmpd="sng" algn="ctr">
                       <a:solidFill>
                         <a:srgbClr val="000000"/>
                       </a:solidFill>
@@ -8821,7 +8604,7 @@
                       <a:headEnd type="none" w="sm" len="sm"/>
                       <a:tailEnd type="none" w="sm" len="sm"/>
                     </a:lnL>
-                    <a:lnR w="12700" cap="flat" cmpd="sng">
+                    <a:lnR w="12700" cap="flat" cmpd="sng" algn="ctr">
                       <a:solidFill>
                         <a:srgbClr val="000000"/>
                       </a:solidFill>
@@ -8830,7 +8613,7 @@
                       <a:headEnd type="none" w="sm" len="sm"/>
                       <a:tailEnd type="none" w="sm" len="sm"/>
                     </a:lnR>
-                    <a:lnT w="12700" cap="flat" cmpd="sng">
+                    <a:lnT w="12700" cap="flat" cmpd="sng" algn="ctr">
                       <a:solidFill>
                         <a:srgbClr val="000000"/>
                       </a:solidFill>
@@ -8856,48 +8639,127 @@
                     <a:lstStyle/>
                     <a:p>
                       <a:r>
-                        <a:rPr lang="en-US" sz="1000" dirty="0">
+                        <a:rPr lang="en-US" sz="1000" b="0" i="0" u="none" strike="noStrike" cap="none" dirty="0">
+                          <a:solidFill>
+                            <a:srgbClr val="000000"/>
+                          </a:solidFill>
                           <a:effectLst/>
+                          <a:latin typeface="Arial"/>
+                          <a:ea typeface="Arial"/>
+                          <a:cs typeface="Arial"/>
+                          <a:sym typeface="Arial"/>
                         </a:rPr>
                         <a:t>- Validate tokens</a:t>
                       </a:r>
                       <a:br>
-                        <a:rPr lang="en-US" sz="1000" dirty="0">
+                        <a:rPr lang="en-US" sz="1000" b="0" i="0" u="none" strike="noStrike" cap="none" dirty="0">
+                          <a:solidFill>
+                            <a:srgbClr val="000000"/>
+                          </a:solidFill>
                           <a:effectLst/>
+                          <a:latin typeface="Arial"/>
+                          <a:cs typeface="Arial"/>
+                          <a:sym typeface="Arial"/>
                         </a:rPr>
                       </a:br>
                       <a:r>
-                        <a:rPr lang="en-US" sz="1000" dirty="0">
+                        <a:rPr lang="en-US" sz="1000" b="0" i="0" u="none" strike="noStrike" cap="none" dirty="0">
+                          <a:solidFill>
+                            <a:srgbClr val="000000"/>
+                          </a:solidFill>
                           <a:effectLst/>
+                          <a:latin typeface="Arial"/>
+                          <a:ea typeface="Arial"/>
+                          <a:cs typeface="Arial"/>
+                          <a:sym typeface="Arial"/>
                         </a:rPr>
                         <a:t>- Authenticate users</a:t>
                       </a:r>
                       <a:br>
-                        <a:rPr lang="en-US" sz="1000" dirty="0">
+                        <a:rPr lang="en-US" sz="1000" b="0" i="0" u="none" strike="noStrike" cap="none" dirty="0">
+                          <a:solidFill>
+                            <a:srgbClr val="000000"/>
+                          </a:solidFill>
                           <a:effectLst/>
+                          <a:latin typeface="Arial"/>
+                          <a:cs typeface="Arial"/>
+                          <a:sym typeface="Arial"/>
                         </a:rPr>
                       </a:br>
                       <a:r>
-                        <a:rPr lang="en-US" sz="1000" dirty="0">
+                        <a:rPr lang="en-US" sz="1000" b="0" i="0" u="none" strike="noStrike" cap="none" dirty="0">
+                          <a:solidFill>
+                            <a:srgbClr val="000000"/>
+                          </a:solidFill>
                           <a:effectLst/>
+                          <a:latin typeface="Arial"/>
+                          <a:ea typeface="Arial"/>
+                          <a:cs typeface="Arial"/>
+                          <a:sym typeface="Arial"/>
                         </a:rPr>
                         <a:t>- Invalidate stored tokens</a:t>
                       </a:r>
                       <a:br>
-                        <a:rPr lang="en-US" sz="1000" dirty="0">
+                        <a:rPr lang="en-US" sz="1000" b="0" i="0" u="none" strike="noStrike" cap="none" dirty="0">
+                          <a:solidFill>
+                            <a:srgbClr val="000000"/>
+                          </a:solidFill>
                           <a:effectLst/>
+                          <a:latin typeface="Arial"/>
+                          <a:cs typeface="Arial"/>
+                          <a:sym typeface="Arial"/>
                         </a:rPr>
                       </a:br>
                       <a:r>
-                        <a:rPr lang="en-US" sz="1000" dirty="0">
+                        <a:rPr lang="en-US" sz="1000" b="0" i="0" u="none" strike="noStrike" cap="none" dirty="0">
+                          <a:solidFill>
+                            <a:srgbClr val="000000"/>
+                          </a:solidFill>
                           <a:effectLst/>
+                          <a:latin typeface="Arial"/>
+                          <a:ea typeface="Arial"/>
+                          <a:cs typeface="Arial"/>
+                          <a:sym typeface="Arial"/>
                         </a:rPr>
-                        <a:t>- Update session information</a:t>
+                        <a:t>- Update session information- Authenticate via SSO</a:t>
                       </a:r>
+                      <a:br>
+                        <a:rPr lang="en-US" sz="1000" b="0" i="0" u="none" strike="noStrike" cap="none" dirty="0">
+                          <a:solidFill>
+                            <a:srgbClr val="000000"/>
+                          </a:solidFill>
+                          <a:effectLst/>
+                          <a:latin typeface="Arial"/>
+                          <a:cs typeface="Arial"/>
+                          <a:sym typeface="Arial"/>
+                        </a:rPr>
+                      </a:br>
+                      <a:r>
+                        <a:rPr lang="en-US" sz="1000" b="0" i="0" u="none" strike="noStrike" cap="none" dirty="0">
+                          <a:solidFill>
+                            <a:srgbClr val="000000"/>
+                          </a:solidFill>
+                          <a:effectLst/>
+                          <a:latin typeface="Arial"/>
+                          <a:ea typeface="Arial"/>
+                          <a:cs typeface="Arial"/>
+                          <a:sym typeface="Arial"/>
+                        </a:rPr>
+                        <a:t>- Handle token management and validation</a:t>
+                      </a:r>
+                      <a:endParaRPr lang="en-US" sz="1000" b="0" i="0" u="none" strike="noStrike" cap="none" dirty="0">
+                        <a:solidFill>
+                          <a:srgbClr val="000000"/>
+                        </a:solidFill>
+                        <a:effectLst/>
+                        <a:latin typeface="Arial"/>
+                        <a:cs typeface="Arial"/>
+                        <a:sym typeface="Arial"/>
+                      </a:endParaRPr>
                     </a:p>
                   </a:txBody>
                   <a:tcPr marL="123825" marR="123825" marT="57150" marB="57150" anchor="ctr">
-                    <a:lnL w="12700" cap="flat" cmpd="sng">
+                    <a:lnL w="12700" cap="flat" cmpd="sng" algn="ctr">
                       <a:solidFill>
                         <a:srgbClr val="000000"/>
                       </a:solidFill>
@@ -8915,7 +8777,7 @@
                       <a:headEnd type="none" w="sm" len="sm"/>
                       <a:tailEnd type="none" w="sm" len="sm"/>
                     </a:lnR>
-                    <a:lnT w="12700" cap="flat" cmpd="sng">
+                    <a:lnT w="12700" cap="flat" cmpd="sng" algn="ctr">
                       <a:solidFill>
                         <a:srgbClr val="000000"/>
                       </a:solidFill>
@@ -9035,14 +8897,14 @@
           <p:nvPr>
             <p:extLst>
               <p:ext uri="{D42A27DB-BD31-4B8C-83A1-F6EECF244321}">
-                <p14:modId xmlns:p14="http://schemas.microsoft.com/office/powerpoint/2010/main" val="3314919773"/>
+                <p14:modId xmlns:p14="http://schemas.microsoft.com/office/powerpoint/2010/main" val="3690903014"/>
               </p:ext>
             </p:extLst>
           </p:nvPr>
         </p:nvGraphicFramePr>
         <p:xfrm>
           <a:off x="311700" y="990831"/>
-          <a:ext cx="8617146" cy="3635880"/>
+          <a:ext cx="8617146" cy="3782656"/>
         </p:xfrm>
         <a:graphic>
           <a:graphicData uri="http://schemas.openxmlformats.org/drawingml/2006/table">
@@ -9347,18 +9209,128 @@
                     <a:lstStyle/>
                     <a:p>
                       <a:r>
-                        <a:rPr lang="en-US" sz="1000" b="1">
+                        <a:rPr lang="en-US" sz="1000" b="1" dirty="0">
                           <a:effectLst/>
                         </a:rPr>
-                        <a:t>SSO System</a:t>
+                        <a:t>Response </a:t>
                       </a:r>
-                      <a:endParaRPr lang="en-US" sz="1000">
+                      <a:r>
+                        <a:rPr lang="en-US" sz="1000" b="1" dirty="0" err="1">
+                          <a:effectLst/>
+                        </a:rPr>
+                        <a:t>Cacher</a:t>
+                      </a:r>
+                      <a:endParaRPr lang="en-US" sz="1000" dirty="0">
                         <a:effectLst/>
                       </a:endParaRPr>
                     </a:p>
                   </a:txBody>
                   <a:tcPr marL="123825" marR="123825" marT="57150" marB="57150" anchor="ctr">
                     <a:lnL w="12700" cap="flat" cmpd="sng">
+                      <a:solidFill>
+                        <a:srgbClr val="000000"/>
+                      </a:solidFill>
+                      <a:prstDash val="solid"/>
+                      <a:round/>
+                      <a:headEnd type="none" w="sm" len="sm"/>
+                      <a:tailEnd type="none" w="sm" len="sm"/>
+                    </a:lnL>
+                    <a:lnR w="12700" cap="flat" cmpd="sng" algn="ctr">
+                      <a:solidFill>
+                        <a:srgbClr val="000000"/>
+                      </a:solidFill>
+                      <a:prstDash val="solid"/>
+                      <a:round/>
+                      <a:headEnd type="none" w="sm" len="sm"/>
+                      <a:tailEnd type="none" w="sm" len="sm"/>
+                    </a:lnR>
+                    <a:lnT w="12700" cap="flat" cmpd="sng" algn="ctr">
+                      <a:solidFill>
+                        <a:srgbClr val="000000"/>
+                      </a:solidFill>
+                      <a:prstDash val="solid"/>
+                      <a:round/>
+                      <a:headEnd type="none" w="sm" len="sm"/>
+                      <a:tailEnd type="none" w="sm" len="sm"/>
+                    </a:lnT>
+                    <a:lnB w="12700" cap="flat" cmpd="sng">
+                      <a:solidFill>
+                        <a:srgbClr val="000000"/>
+                      </a:solidFill>
+                      <a:prstDash val="solid"/>
+                      <a:round/>
+                      <a:headEnd type="none" w="sm" len="sm"/>
+                      <a:tailEnd type="none" w="sm" len="sm"/>
+                    </a:lnB>
+                  </a:tcPr>
+                </a:tc>
+                <a:tc>
+                  <a:txBody>
+                    <a:bodyPr/>
+                    <a:lstStyle/>
+                    <a:p>
+                      <a:r>
+                        <a:rPr lang="en-US" sz="1000">
+                          <a:effectLst/>
+                        </a:rPr>
+                        <a:t>SIAOUT</a:t>
+                      </a:r>
+                    </a:p>
+                  </a:txBody>
+                  <a:tcPr marL="123825" marR="123825" marT="57150" marB="57150" anchor="ctr">
+                    <a:lnL w="12700" cap="flat" cmpd="sng" algn="ctr">
+                      <a:solidFill>
+                        <a:srgbClr val="000000"/>
+                      </a:solidFill>
+                      <a:prstDash val="solid"/>
+                      <a:round/>
+                      <a:headEnd type="none" w="sm" len="sm"/>
+                      <a:tailEnd type="none" w="sm" len="sm"/>
+                    </a:lnL>
+                    <a:lnR w="12700" cap="flat" cmpd="sng" algn="ctr">
+                      <a:solidFill>
+                        <a:srgbClr val="000000"/>
+                      </a:solidFill>
+                      <a:prstDash val="solid"/>
+                      <a:round/>
+                      <a:headEnd type="none" w="sm" len="sm"/>
+                      <a:tailEnd type="none" w="sm" len="sm"/>
+                    </a:lnR>
+                    <a:lnT w="12700" cap="flat" cmpd="sng" algn="ctr">
+                      <a:solidFill>
+                        <a:srgbClr val="000000"/>
+                      </a:solidFill>
+                      <a:prstDash val="solid"/>
+                      <a:round/>
+                      <a:headEnd type="none" w="sm" len="sm"/>
+                      <a:tailEnd type="none" w="sm" len="sm"/>
+                    </a:lnT>
+                    <a:lnB w="12700" cap="flat" cmpd="sng">
+                      <a:solidFill>
+                        <a:srgbClr val="000000"/>
+                      </a:solidFill>
+                      <a:prstDash val="solid"/>
+                      <a:round/>
+                      <a:headEnd type="none" w="sm" len="sm"/>
+                      <a:tailEnd type="none" w="sm" len="sm"/>
+                    </a:lnB>
+                  </a:tcPr>
+                </a:tc>
+                <a:tc>
+                  <a:txBody>
+                    <a:bodyPr/>
+                    <a:lstStyle/>
+                    <a:p>
+                      <a:r>
+                        <a:rPr lang="en-US" sz="1000">
+                          <a:effectLst/>
+                        </a:rPr>
+                        <a:t>Cached responses, expiration policies, caching rules</a:t>
+                      </a:r>
+                    </a:p>
+                  </a:txBody>
+                  <a:tcPr marL="123825" marR="123825" marT="57150" marB="57150" anchor="ctr">
+                    <a:lnL w="12700" cap="flat" cmpd="sng" algn="ctr">
                       <a:solidFill>
                         <a:srgbClr val="000000"/>
                       </a:solidFill>
@@ -9405,111 +9377,7 @@
                         <a:rPr lang="en-US" sz="1000" dirty="0">
                           <a:effectLst/>
                         </a:rPr>
-                        <a:t>SIAOUT</a:t>
-                      </a:r>
-                    </a:p>
-                  </a:txBody>
-                  <a:tcPr marL="123825" marR="123825" marT="57150" marB="57150" anchor="ctr">
-                    <a:lnL w="12700" cap="flat" cmpd="sng" algn="ctr">
-                      <a:solidFill>
-                        <a:srgbClr val="000000"/>
-                      </a:solidFill>
-                      <a:prstDash val="solid"/>
-                      <a:round/>
-                      <a:headEnd type="none" w="sm" len="sm"/>
-                      <a:tailEnd type="none" w="sm" len="sm"/>
-                    </a:lnL>
-                    <a:lnR w="12700" cap="flat" cmpd="sng" algn="ctr">
-                      <a:solidFill>
-                        <a:srgbClr val="000000"/>
-                      </a:solidFill>
-                      <a:prstDash val="solid"/>
-                      <a:round/>
-                      <a:headEnd type="none" w="sm" len="sm"/>
-                      <a:tailEnd type="none" w="sm" len="sm"/>
-                    </a:lnR>
-                    <a:lnT w="12700" cap="flat" cmpd="sng" algn="ctr">
-                      <a:solidFill>
-                        <a:srgbClr val="000000"/>
-                      </a:solidFill>
-                      <a:prstDash val="solid"/>
-                      <a:round/>
-                      <a:headEnd type="none" w="sm" len="sm"/>
-                      <a:tailEnd type="none" w="sm" len="sm"/>
-                    </a:lnT>
-                    <a:lnB w="12700" cap="flat" cmpd="sng">
-                      <a:solidFill>
-                        <a:srgbClr val="000000"/>
-                      </a:solidFill>
-                      <a:prstDash val="solid"/>
-                      <a:round/>
-                      <a:headEnd type="none" w="sm" len="sm"/>
-                      <a:tailEnd type="none" w="sm" len="sm"/>
-                    </a:lnB>
-                  </a:tcPr>
-                </a:tc>
-                <a:tc>
-                  <a:txBody>
-                    <a:bodyPr/>
-                    <a:lstStyle/>
-                    <a:p>
-                      <a:r>
-                        <a:rPr lang="en-US" sz="1000">
-                          <a:effectLst/>
-                        </a:rPr>
-                        <a:t>Authentication tokens, user sessions, expiration policies</a:t>
-                      </a:r>
-                    </a:p>
-                  </a:txBody>
-                  <a:tcPr marL="123825" marR="123825" marT="57150" marB="57150" anchor="ctr">
-                    <a:lnL w="12700" cap="flat" cmpd="sng" algn="ctr">
-                      <a:solidFill>
-                        <a:srgbClr val="000000"/>
-                      </a:solidFill>
-                      <a:prstDash val="solid"/>
-                      <a:round/>
-                      <a:headEnd type="none" w="sm" len="sm"/>
-                      <a:tailEnd type="none" w="sm" len="sm"/>
-                    </a:lnL>
-                    <a:lnR w="12700" cap="flat" cmpd="sng" algn="ctr">
-                      <a:solidFill>
-                        <a:srgbClr val="000000"/>
-                      </a:solidFill>
-                      <a:prstDash val="solid"/>
-                      <a:round/>
-                      <a:headEnd type="none" w="sm" len="sm"/>
-                      <a:tailEnd type="none" w="sm" len="sm"/>
-                    </a:lnR>
-                    <a:lnT w="12700" cap="flat" cmpd="sng" algn="ctr">
-                      <a:solidFill>
-                        <a:srgbClr val="000000"/>
-                      </a:solidFill>
-                      <a:prstDash val="solid"/>
-                      <a:round/>
-                      <a:headEnd type="none" w="sm" len="sm"/>
-                      <a:tailEnd type="none" w="sm" len="sm"/>
-                    </a:lnT>
-                    <a:lnB w="12700" cap="flat" cmpd="sng">
-                      <a:solidFill>
-                        <a:srgbClr val="000000"/>
-                      </a:solidFill>
-                      <a:prstDash val="solid"/>
-                      <a:round/>
-                      <a:headEnd type="none" w="sm" len="sm"/>
-                      <a:tailEnd type="none" w="sm" len="sm"/>
-                    </a:lnB>
-                  </a:tcPr>
-                </a:tc>
-                <a:tc>
-                  <a:txBody>
-                    <a:bodyPr/>
-                    <a:lstStyle/>
-                    <a:p>
-                      <a:r>
-                        <a:rPr lang="en-US" sz="1000" dirty="0">
-                          <a:effectLst/>
-                        </a:rPr>
-                        <a:t>- Authenticate via SSO</a:t>
+                        <a:t>- Put responses in cache</a:t>
                       </a:r>
                       <a:br>
                         <a:rPr lang="en-US" sz="1000" dirty="0">
@@ -9520,7 +9388,29 @@
                         <a:rPr lang="en-US" sz="1000" dirty="0">
                           <a:effectLst/>
                         </a:rPr>
-                        <a:t>- Handle token management and validation</a:t>
+                        <a:t>- Retrieve cached responses</a:t>
+                      </a:r>
+                      <a:br>
+                        <a:rPr lang="en-US" sz="1000" dirty="0">
+                          <a:effectLst/>
+                        </a:rPr>
+                      </a:br>
+                      <a:r>
+                        <a:rPr lang="en-US" sz="1000" dirty="0">
+                          <a:effectLst/>
+                        </a:rPr>
+                        <a:t>- Invalidate cache</a:t>
+                      </a:r>
+                      <a:br>
+                        <a:rPr lang="en-US" sz="1000" dirty="0">
+                          <a:effectLst/>
+                        </a:rPr>
+                      </a:br>
+                      <a:r>
+                        <a:rPr lang="en-US" sz="1000" dirty="0">
+                          <a:effectLst/>
+                        </a:rPr>
+                        <a:t>- Update cache entries</a:t>
                       </a:r>
                     </a:p>
                   </a:txBody>
@@ -9605,7 +9495,7 @@
                       <a:headEnd type="none" w="sm" len="sm"/>
                       <a:tailEnd type="none" w="sm" len="sm"/>
                     </a:lnR>
-                    <a:lnT w="12700" cap="flat" cmpd="sng">
+                    <a:lnT w="12700" cap="flat" cmpd="sng" algn="ctr">
                       <a:solidFill>
                         <a:srgbClr val="000000"/>
                       </a:solidFill>
@@ -9657,7 +9547,7 @@
                       <a:headEnd type="none" w="sm" len="sm"/>
                       <a:tailEnd type="none" w="sm" len="sm"/>
                     </a:lnR>
-                    <a:lnT w="12700" cap="flat" cmpd="sng">
+                    <a:lnT w="12700" cap="flat" cmpd="sng" algn="ctr">
                       <a:solidFill>
                         <a:srgbClr val="000000"/>
                       </a:solidFill>
@@ -9709,7 +9599,7 @@
                       <a:headEnd type="none" w="sm" len="sm"/>
                       <a:tailEnd type="none" w="sm" len="sm"/>
                     </a:lnR>
-                    <a:lnT w="12700" cap="flat" cmpd="sng">
+                    <a:lnT w="12700" cap="flat" cmpd="sng" algn="ctr">
                       <a:solidFill>
                         <a:srgbClr val="000000"/>
                       </a:solidFill>
@@ -9783,7 +9673,7 @@
                       <a:headEnd type="none" w="sm" len="sm"/>
                       <a:tailEnd type="none" w="sm" len="sm"/>
                     </a:lnR>
-                    <a:lnT w="12700" cap="flat" cmpd="sng">
+                    <a:lnT w="12700" cap="flat" cmpd="sng" algn="ctr">
                       <a:solidFill>
                         <a:srgbClr val="000000"/>
                       </a:solidFill>

--- a/PracticeTasks/Task_5/K8C_DomainModeling_Task5.pptx
+++ b/PracticeTasks/Task_5/K8C_DomainModeling_Task5.pptx
@@ -7217,7 +7217,7 @@
             <a:r>
               <a:rPr lang="en-GB" b="1" dirty="0">
                 <a:solidFill>
-                  <a:srgbClr val="FF0000"/>
+                  <a:schemeClr val="tx1"/>
                 </a:solidFill>
                 <a:effectLst>
                   <a:outerShdw blurRad="38100" dist="38100" dir="2700000" algn="tl">
@@ -7231,7 +7231,7 @@
             </a:r>
             <a:endParaRPr b="1" dirty="0">
               <a:solidFill>
-                <a:srgbClr val="FF0000"/>
+                <a:schemeClr val="tx1"/>
               </a:solidFill>
               <a:effectLst>
                 <a:outerShdw blurRad="38100" dist="38100" dir="2700000" algn="tl">
@@ -7244,80 +7244,53 @@
           </a:p>
         </p:txBody>
       </p:sp>
-      <p:sp>
-        <p:nvSpPr>
-          <p:cNvPr id="67" name="Google Shape;67;p15"/>
-          <p:cNvSpPr txBox="1">
-            <a:spLocks noGrp="1"/>
-          </p:cNvSpPr>
-          <p:nvPr>
-            <p:ph type="body" idx="1"/>
-          </p:nvPr>
-        </p:nvSpPr>
-        <p:spPr>
+      <p:pic>
+        <p:nvPicPr>
+          <p:cNvPr id="1026" name="Picture 2">
+            <a:extLst>
+              <a:ext uri="{FF2B5EF4-FFF2-40B4-BE49-F238E27FC236}">
+                <a16:creationId xmlns:a16="http://schemas.microsoft.com/office/drawing/2014/main" id="{845F3531-73A3-4DFF-84AC-D5D15CAA9AD7}"/>
+              </a:ext>
+            </a:extLst>
+          </p:cNvPr>
+          <p:cNvPicPr>
+            <a:picLocks noChangeAspect="1" noChangeArrowheads="1"/>
+          </p:cNvPicPr>
+          <p:nvPr/>
+        </p:nvPicPr>
+        <p:blipFill>
+          <a:blip r:embed="rId3">
+            <a:extLst>
+              <a:ext uri="{28A0092B-C50C-407E-A947-70E740481C1C}">
+                <a14:useLocalDpi xmlns:a14="http://schemas.microsoft.com/office/drawing/2010/main" val="0"/>
+              </a:ext>
+            </a:extLst>
+          </a:blip>
+          <a:srcRect/>
+          <a:stretch>
+            <a:fillRect/>
+          </a:stretch>
+        </p:blipFill>
+        <p:spPr bwMode="auto">
           <a:xfrm>
-            <a:off x="311700" y="1152475"/>
-            <a:ext cx="8520600" cy="3416400"/>
+            <a:off x="311700" y="1199810"/>
+            <a:ext cx="8520600" cy="3045819"/>
           </a:xfrm>
           <a:prstGeom prst="rect">
             <a:avLst/>
           </a:prstGeom>
+          <a:noFill/>
+          <a:extLst>
+            <a:ext uri="{909E8E84-426E-40DD-AFC4-6F175D3DCCD1}">
+              <a14:hiddenFill xmlns:a14="http://schemas.microsoft.com/office/drawing/2010/main">
+                <a:solidFill>
+                  <a:srgbClr val="FFFFFF"/>
+                </a:solidFill>
+              </a14:hiddenFill>
+            </a:ext>
+          </a:extLst>
         </p:spPr>
-        <p:txBody>
-          <a:bodyPr spcFirstLastPara="1" wrap="square" lIns="91425" tIns="91425" rIns="91425" bIns="91425" anchor="t" anchorCtr="0">
-            <a:noAutofit/>
-          </a:bodyPr>
-          <a:lstStyle/>
-          <a:p>
-            <a:pPr marL="0" lvl="0" indent="0" algn="l" rtl="0">
-              <a:spcBef>
-                <a:spcPts val="0"/>
-              </a:spcBef>
-              <a:spcAft>
-                <a:spcPts val="0"/>
-              </a:spcAft>
-              <a:buNone/>
-            </a:pPr>
-            <a:r>
-              <a:rPr lang="en-GB"/>
-              <a:t>Identify actors and use cases and develop a use case diagram from prior business requirements</a:t>
-            </a:r>
-            <a:endParaRPr/>
-          </a:p>
-          <a:p>
-            <a:pPr marL="0" lvl="0" indent="0" algn="l" rtl="0">
-              <a:spcBef>
-                <a:spcPts val="1200"/>
-              </a:spcBef>
-              <a:spcAft>
-                <a:spcPts val="0"/>
-              </a:spcAft>
-              <a:buNone/>
-            </a:pPr>
-            <a:r>
-              <a:rPr lang="en-GB"/>
-              <a:t>Rule of thumb: user/job story = function / user level use case</a:t>
-            </a:r>
-            <a:endParaRPr/>
-          </a:p>
-          <a:p>
-            <a:pPr marL="0" lvl="0" indent="0" algn="l" rtl="0">
-              <a:spcBef>
-                <a:spcPts val="1200"/>
-              </a:spcBef>
-              <a:spcAft>
-                <a:spcPts val="1200"/>
-              </a:spcAft>
-              <a:buNone/>
-            </a:pPr>
-            <a:r>
-              <a:rPr lang="en-GB"/>
-              <a:t>Actors - user groups and/or external systems that have similar interaction goals (use cases)</a:t>
-            </a:r>
-            <a:endParaRPr/>
-          </a:p>
-        </p:txBody>
-      </p:sp>
+      </p:pic>
     </p:spTree>
   </p:cSld>
   <p:clrMapOvr>

--- a/PracticeTasks/Task_5/K8C_DomainModeling_Task5.pptx
+++ b/PracticeTasks/Task_5/K8C_DomainModeling_Task5.pptx
@@ -10463,7 +10463,7 @@
             <a:r>
               <a:rPr lang="en-GB" b="1" dirty="0">
                 <a:solidFill>
-                  <a:srgbClr val="FF0000"/>
+                  <a:schemeClr val="tx1"/>
                 </a:solidFill>
                 <a:effectLst>
                   <a:outerShdw blurRad="38100" dist="38100" dir="2700000" algn="tl">
@@ -10477,7 +10477,7 @@
             </a:r>
             <a:endParaRPr b="1" dirty="0">
               <a:solidFill>
-                <a:srgbClr val="FF0000"/>
+                <a:schemeClr val="tx1"/>
               </a:solidFill>
               <a:effectLst>
                 <a:outerShdw blurRad="38100" dist="38100" dir="2700000" algn="tl">
@@ -10490,80 +10490,53 @@
           </a:p>
         </p:txBody>
       </p:sp>
-      <p:sp>
-        <p:nvSpPr>
-          <p:cNvPr id="80" name="Google Shape;80;p17"/>
-          <p:cNvSpPr txBox="1">
-            <a:spLocks noGrp="1"/>
-          </p:cNvSpPr>
-          <p:nvPr>
-            <p:ph type="body" idx="1"/>
-          </p:nvPr>
-        </p:nvSpPr>
-        <p:spPr>
+      <p:pic>
+        <p:nvPicPr>
+          <p:cNvPr id="1026" name="Picture 2">
+            <a:extLst>
+              <a:ext uri="{FF2B5EF4-FFF2-40B4-BE49-F238E27FC236}">
+                <a16:creationId xmlns:a16="http://schemas.microsoft.com/office/drawing/2014/main" id="{414DDBF0-721A-46F1-BF79-239262D4B90B}"/>
+              </a:ext>
+            </a:extLst>
+          </p:cNvPr>
+          <p:cNvPicPr>
+            <a:picLocks noChangeAspect="1" noChangeArrowheads="1"/>
+          </p:cNvPicPr>
+          <p:nvPr/>
+        </p:nvPicPr>
+        <p:blipFill>
+          <a:blip r:embed="rId3">
+            <a:extLst>
+              <a:ext uri="{28A0092B-C50C-407E-A947-70E740481C1C}">
+                <a14:useLocalDpi xmlns:a14="http://schemas.microsoft.com/office/drawing/2010/main" val="0"/>
+              </a:ext>
+            </a:extLst>
+          </a:blip>
+          <a:srcRect/>
+          <a:stretch>
+            <a:fillRect/>
+          </a:stretch>
+        </p:blipFill>
+        <p:spPr bwMode="auto">
           <a:xfrm>
-            <a:off x="311700" y="1152475"/>
-            <a:ext cx="8520600" cy="3416400"/>
+            <a:off x="260370" y="1223682"/>
+            <a:ext cx="8623259" cy="3381935"/>
           </a:xfrm>
           <a:prstGeom prst="rect">
             <a:avLst/>
           </a:prstGeom>
+          <a:noFill/>
+          <a:extLst>
+            <a:ext uri="{909E8E84-426E-40DD-AFC4-6F175D3DCCD1}">
+              <a14:hiddenFill xmlns:a14="http://schemas.microsoft.com/office/drawing/2010/main">
+                <a:solidFill>
+                  <a:srgbClr val="FFFFFF"/>
+                </a:solidFill>
+              </a14:hiddenFill>
+            </a:ext>
+          </a:extLst>
         </p:spPr>
-        <p:txBody>
-          <a:bodyPr spcFirstLastPara="1" wrap="square" lIns="91425" tIns="91425" rIns="91425" bIns="91425" anchor="t" anchorCtr="0">
-            <a:noAutofit/>
-          </a:bodyPr>
-          <a:lstStyle/>
-          <a:p>
-            <a:pPr marL="0" lvl="0" indent="0" algn="l" rtl="0">
-              <a:spcBef>
-                <a:spcPts val="0"/>
-              </a:spcBef>
-              <a:spcAft>
-                <a:spcPts val="0"/>
-              </a:spcAft>
-              <a:buNone/>
-            </a:pPr>
-            <a:r>
-              <a:rPr lang="en-GB"/>
-              <a:t>Draw a class diagram or ER+DFD diagram</a:t>
-            </a:r>
-            <a:endParaRPr/>
-          </a:p>
-          <a:p>
-            <a:pPr marL="0" lvl="0" indent="0" algn="l" rtl="0">
-              <a:spcBef>
-                <a:spcPts val="1200"/>
-              </a:spcBef>
-              <a:spcAft>
-                <a:spcPts val="0"/>
-              </a:spcAft>
-              <a:buNone/>
-            </a:pPr>
-            <a:r>
-              <a:rPr lang="en-GB"/>
-              <a:t>Show candidate classes, relations, attributes. If class diagram - show operations at classes. If ER then add a DFD connecting processes to entities.</a:t>
-            </a:r>
-            <a:endParaRPr/>
-          </a:p>
-          <a:p>
-            <a:pPr marL="0" lvl="0" indent="0" algn="l" rtl="0">
-              <a:spcBef>
-                <a:spcPts val="1200"/>
-              </a:spcBef>
-              <a:spcAft>
-                <a:spcPts val="1200"/>
-              </a:spcAft>
-              <a:buNone/>
-            </a:pPr>
-            <a:r>
-              <a:rPr lang="en-GB"/>
-              <a:t>Add DDD stereotypes</a:t>
-            </a:r>
-            <a:endParaRPr/>
-          </a:p>
-        </p:txBody>
-      </p:sp>
+      </p:pic>
     </p:spTree>
   </p:cSld>
   <p:clrMapOvr>
